--- a/BAO-CAO/KLTN-Final-PhuocHung-QuangTan.pptx
+++ b/BAO-CAO/KLTN-Final-PhuocHung-QuangTan.pptx
@@ -31,15 +31,15 @@
   <p:notesSz cx="6858000" cy="9144000"/>
   <p:embeddedFontLst>
     <p:embeddedFont>
-      <p:font typeface="Montserrat ExtraBold" panose="020B0604020202020204" charset="0"/>
-      <p:bold r:id="rId21"/>
-      <p:boldItalic r:id="rId22"/>
+      <p:font typeface="Montserrat Light" panose="020B0604020202020204" charset="0"/>
+      <p:regular r:id="rId21"/>
+      <p:bold r:id="rId22"/>
+      <p:italic r:id="rId23"/>
+      <p:boldItalic r:id="rId24"/>
     </p:embeddedFont>
     <p:embeddedFont>
-      <p:font typeface="Montserrat Light" panose="020B0604020202020204" charset="0"/>
-      <p:regular r:id="rId23"/>
-      <p:bold r:id="rId24"/>
-      <p:italic r:id="rId25"/>
+      <p:font typeface="Montserrat ExtraBold" panose="020B0604020202020204" charset="0"/>
+      <p:bold r:id="rId25"/>
       <p:boldItalic r:id="rId26"/>
     </p:embeddedFont>
   </p:embeddedFontLst>
@@ -5778,8 +5778,8 @@
         </p:nvSpPr>
         <p:spPr>
           <a:xfrm>
-            <a:off x="1742436" y="248968"/>
-            <a:ext cx="5527963" cy="1696328"/>
+            <a:off x="1484281" y="318240"/>
+            <a:ext cx="6362474" cy="1696328"/>
           </a:xfrm>
           <a:prstGeom prst="rect">
             <a:avLst/>
@@ -6021,7 +6021,7 @@
           <a:p>
             <a:pPr algn="ctr"/>
             <a:r>
-              <a:rPr lang="en-US" sz="3600" b="1" smtClean="0">
+              <a:rPr lang="en-US" sz="2800" b="1" smtClean="0">
                 <a:solidFill>
                   <a:schemeClr val="bg1"/>
                 </a:solidFill>
@@ -6030,7 +6030,7 @@
               </a:rPr>
               <a:t>BẢO VỆ ĐỒ ÁN TỐT NGHIỆP</a:t>
             </a:r>
-            <a:endParaRPr lang="en-US" sz="3600" b="1" dirty="0">
+            <a:endParaRPr lang="en-US" sz="2800" b="1" dirty="0">
               <a:solidFill>
                 <a:schemeClr val="bg1"/>
               </a:solidFill>
@@ -6050,7 +6050,7 @@
         </p:nvSpPr>
         <p:spPr>
           <a:xfrm>
-            <a:off x="430956" y="1813536"/>
+            <a:off x="715804" y="2089423"/>
             <a:ext cx="7764780" cy="693148"/>
           </a:xfrm>
           <a:prstGeom prst="rect">
@@ -6291,444 +6291,26 @@
           <a:p>
             <a:pPr algn="ctr"/>
             <a:r>
-              <a:rPr lang="en-US" sz="2600" b="1" smtClean="0">
+              <a:rPr lang="en-US" sz="2400" b="1" smtClean="0">
                 <a:solidFill>
                   <a:schemeClr val="bg1"/>
                 </a:solidFill>
                 <a:latin typeface="Times New Roman" panose="02020603050405020304" pitchFamily="18" charset="0"/>
                 <a:cs typeface="Times New Roman" panose="02020603050405020304" pitchFamily="18" charset="0"/>
               </a:rPr>
-              <a:t>ĐỀ TÀI: </a:t>
-            </a:r>
-            <a:r>
-              <a:rPr lang="en-US" sz="2600" b="1" smtClean="0">
+              <a:t>XÂY </a:t>
+            </a:r>
+            <a:r>
+              <a:rPr lang="en-US" sz="2400" b="1" smtClean="0">
                 <a:solidFill>
                   <a:schemeClr val="bg1"/>
                 </a:solidFill>
                 <a:latin typeface="Times New Roman" panose="02020603050405020304" pitchFamily="18" charset="0"/>
                 <a:cs typeface="Times New Roman" panose="02020603050405020304" pitchFamily="18" charset="0"/>
               </a:rPr>
-              <a:t>XÂY DỰNG WEBSITE BÁN SÁCH ONLINE TRÊN NỀN TẢNG MEAN STACK</a:t>
-            </a:r>
-            <a:endParaRPr lang="en-US" sz="2600" b="1" dirty="0">
-              <a:solidFill>
-                <a:schemeClr val="bg1"/>
-              </a:solidFill>
-              <a:latin typeface="Times New Roman" panose="02020603050405020304" pitchFamily="18" charset="0"/>
-              <a:cs typeface="Times New Roman" panose="02020603050405020304" pitchFamily="18" charset="0"/>
-            </a:endParaRPr>
-          </a:p>
-        </p:txBody>
-      </p:sp>
-      <p:sp>
-        <p:nvSpPr>
-          <p:cNvPr id="5" name="Text Placeholder 3">
-            <a:extLst>
-              <a:ext uri="{FF2B5EF4-FFF2-40B4-BE49-F238E27FC236}">
-                <a16:creationId xmlns:a16="http://schemas.microsoft.com/office/drawing/2014/main" id="{FDA0B434-7333-48A9-900D-A23224F97357}"/>
-              </a:ext>
-            </a:extLst>
-          </p:cNvPr>
-          <p:cNvSpPr txBox="1">
-            <a:spLocks/>
-          </p:cNvSpPr>
-          <p:nvPr/>
-        </p:nvSpPr>
-        <p:spPr>
-          <a:xfrm>
-            <a:off x="1981177" y="3553012"/>
-            <a:ext cx="5607423" cy="793823"/>
-          </a:xfrm>
-          <a:prstGeom prst="rect">
-            <a:avLst/>
-          </a:prstGeom>
-        </p:spPr>
-        <p:txBody>
-          <a:bodyPr anchor="ctr"/>
-          <a:lstStyle>
-            <a:lvl1pPr marL="0" indent="0" algn="l" defTabSz="914400" rtl="0" eaLnBrk="1" latinLnBrk="1" hangingPunct="1">
-              <a:lnSpc>
-                <a:spcPct val="100000"/>
-              </a:lnSpc>
-              <a:spcBef>
-                <a:spcPct val="20000"/>
-              </a:spcBef>
-              <a:buFont typeface="Arial" pitchFamily="34" charset="0"/>
-              <a:buNone/>
-              <a:defRPr sz="1400" b="0" kern="1200" baseline="0">
-                <a:solidFill>
-                  <a:schemeClr val="tx1">
-                    <a:lumMod val="75000"/>
-                    <a:lumOff val="25000"/>
-                  </a:schemeClr>
-                </a:solidFill>
-                <a:latin typeface="+mn-lt"/>
-                <a:ea typeface="+mn-ea"/>
-                <a:cs typeface="Arial" pitchFamily="34" charset="0"/>
-              </a:defRPr>
-            </a:lvl1pPr>
-            <a:lvl2pPr marL="742950" indent="-285750" algn="l" defTabSz="914400" rtl="0" eaLnBrk="1" latinLnBrk="1" hangingPunct="1">
-              <a:spcBef>
-                <a:spcPct val="20000"/>
-              </a:spcBef>
-              <a:buFont typeface="Arial" pitchFamily="34" charset="0"/>
-              <a:buChar char="–"/>
-              <a:defRPr sz="2800" kern="1200">
-                <a:solidFill>
-                  <a:schemeClr val="tx1"/>
-                </a:solidFill>
-                <a:latin typeface="+mn-lt"/>
-                <a:ea typeface="+mn-ea"/>
-                <a:cs typeface="+mn-cs"/>
-              </a:defRPr>
-            </a:lvl2pPr>
-            <a:lvl3pPr marL="1143000" indent="-228600" algn="l" defTabSz="914400" rtl="0" eaLnBrk="1" latinLnBrk="1" hangingPunct="1">
-              <a:spcBef>
-                <a:spcPct val="20000"/>
-              </a:spcBef>
-              <a:buFont typeface="Arial" pitchFamily="34" charset="0"/>
-              <a:buChar char="•"/>
-              <a:defRPr sz="2400" kern="1200">
-                <a:solidFill>
-                  <a:schemeClr val="tx1"/>
-                </a:solidFill>
-                <a:latin typeface="+mn-lt"/>
-                <a:ea typeface="+mn-ea"/>
-                <a:cs typeface="+mn-cs"/>
-              </a:defRPr>
-            </a:lvl3pPr>
-            <a:lvl4pPr marL="1600200" indent="-228600" algn="l" defTabSz="914400" rtl="0" eaLnBrk="1" latinLnBrk="1" hangingPunct="1">
-              <a:spcBef>
-                <a:spcPct val="20000"/>
-              </a:spcBef>
-              <a:buFont typeface="Arial" pitchFamily="34" charset="0"/>
-              <a:buChar char="–"/>
-              <a:defRPr sz="2000" kern="1200">
-                <a:solidFill>
-                  <a:schemeClr val="tx1"/>
-                </a:solidFill>
-                <a:latin typeface="+mn-lt"/>
-                <a:ea typeface="+mn-ea"/>
-                <a:cs typeface="+mn-cs"/>
-              </a:defRPr>
-            </a:lvl4pPr>
-            <a:lvl5pPr marL="2057400" indent="-228600" algn="l" defTabSz="914400" rtl="0" eaLnBrk="1" latinLnBrk="1" hangingPunct="1">
-              <a:spcBef>
-                <a:spcPct val="20000"/>
-              </a:spcBef>
-              <a:buFont typeface="Arial" pitchFamily="34" charset="0"/>
-              <a:buChar char="»"/>
-              <a:defRPr sz="2000" kern="1200">
-                <a:solidFill>
-                  <a:schemeClr val="tx1"/>
-                </a:solidFill>
-                <a:latin typeface="+mn-lt"/>
-                <a:ea typeface="+mn-ea"/>
-                <a:cs typeface="+mn-cs"/>
-              </a:defRPr>
-            </a:lvl5pPr>
-            <a:lvl6pPr marL="2514600" indent="-228600" algn="l" defTabSz="914400" rtl="0" eaLnBrk="1" latinLnBrk="1" hangingPunct="1">
-              <a:spcBef>
-                <a:spcPct val="20000"/>
-              </a:spcBef>
-              <a:buFont typeface="Arial" pitchFamily="34" charset="0"/>
-              <a:buChar char="•"/>
-              <a:defRPr sz="2000" kern="1200">
-                <a:solidFill>
-                  <a:schemeClr val="tx1"/>
-                </a:solidFill>
-                <a:latin typeface="+mn-lt"/>
-                <a:ea typeface="+mn-ea"/>
-                <a:cs typeface="+mn-cs"/>
-              </a:defRPr>
-            </a:lvl6pPr>
-            <a:lvl7pPr marL="2971800" indent="-228600" algn="l" defTabSz="914400" rtl="0" eaLnBrk="1" latinLnBrk="1" hangingPunct="1">
-              <a:spcBef>
-                <a:spcPct val="20000"/>
-              </a:spcBef>
-              <a:buFont typeface="Arial" pitchFamily="34" charset="0"/>
-              <a:buChar char="•"/>
-              <a:defRPr sz="2000" kern="1200">
-                <a:solidFill>
-                  <a:schemeClr val="tx1"/>
-                </a:solidFill>
-                <a:latin typeface="+mn-lt"/>
-                <a:ea typeface="+mn-ea"/>
-                <a:cs typeface="+mn-cs"/>
-              </a:defRPr>
-            </a:lvl7pPr>
-            <a:lvl8pPr marL="3429000" indent="-228600" algn="l" defTabSz="914400" rtl="0" eaLnBrk="1" latinLnBrk="1" hangingPunct="1">
-              <a:spcBef>
-                <a:spcPct val="20000"/>
-              </a:spcBef>
-              <a:buFont typeface="Arial" pitchFamily="34" charset="0"/>
-              <a:buChar char="•"/>
-              <a:defRPr sz="2000" kern="1200">
-                <a:solidFill>
-                  <a:schemeClr val="tx1"/>
-                </a:solidFill>
-                <a:latin typeface="+mn-lt"/>
-                <a:ea typeface="+mn-ea"/>
-                <a:cs typeface="+mn-cs"/>
-              </a:defRPr>
-            </a:lvl8pPr>
-            <a:lvl9pPr marL="3886200" indent="-228600" algn="l" defTabSz="914400" rtl="0" eaLnBrk="1" latinLnBrk="1" hangingPunct="1">
-              <a:spcBef>
-                <a:spcPct val="20000"/>
-              </a:spcBef>
-              <a:buFont typeface="Arial" pitchFamily="34" charset="0"/>
-              <a:buChar char="•"/>
-              <a:defRPr sz="2000" kern="1200">
-                <a:solidFill>
-                  <a:schemeClr val="tx1"/>
-                </a:solidFill>
-                <a:latin typeface="+mn-lt"/>
-                <a:ea typeface="+mn-ea"/>
-                <a:cs typeface="+mn-cs"/>
-              </a:defRPr>
-            </a:lvl9pPr>
-          </a:lstStyle>
-          <a:p>
-            <a:r>
-              <a:rPr lang="en-US" sz="1600" b="1">
-                <a:solidFill>
-                  <a:schemeClr val="bg1"/>
-                </a:solidFill>
-                <a:latin typeface="Times New Roman" panose="02020603050405020304" pitchFamily="18" charset="0"/>
-                <a:cs typeface="Times New Roman" panose="02020603050405020304" pitchFamily="18" charset="0"/>
-              </a:rPr>
-              <a:t>GVHD: ThS. Nguyễn Trần </a:t>
-            </a:r>
-            <a:r>
-              <a:rPr lang="en-US" sz="1600" b="1">
-                <a:solidFill>
-                  <a:schemeClr val="bg1"/>
-                </a:solidFill>
-                <a:latin typeface="Times New Roman" panose="02020603050405020304" pitchFamily="18" charset="0"/>
-                <a:cs typeface="Times New Roman" panose="02020603050405020304" pitchFamily="18" charset="0"/>
-              </a:rPr>
-              <a:t>Thi </a:t>
-            </a:r>
-            <a:r>
-              <a:rPr lang="en-US" sz="1600" b="1" smtClean="0">
-                <a:solidFill>
-                  <a:schemeClr val="bg1"/>
-                </a:solidFill>
-                <a:latin typeface="Times New Roman" panose="02020603050405020304" pitchFamily="18" charset="0"/>
-                <a:cs typeface="Times New Roman" panose="02020603050405020304" pitchFamily="18" charset="0"/>
-              </a:rPr>
-              <a:t>Văn</a:t>
-            </a:r>
-            <a:endParaRPr lang="en-US" sz="1600" b="1" smtClean="0">
-              <a:solidFill>
-                <a:schemeClr val="bg1"/>
-              </a:solidFill>
-              <a:latin typeface="Times New Roman" panose="02020603050405020304" pitchFamily="18" charset="0"/>
-              <a:cs typeface="Times New Roman" panose="02020603050405020304" pitchFamily="18" charset="0"/>
-            </a:endParaRPr>
-          </a:p>
-          <a:p>
-            <a:r>
-              <a:rPr lang="en-US" sz="1600" b="1" smtClean="0">
-                <a:solidFill>
-                  <a:schemeClr val="bg1"/>
-                </a:solidFill>
-                <a:latin typeface="Times New Roman" panose="02020603050405020304" pitchFamily="18" charset="0"/>
-                <a:cs typeface="Times New Roman" panose="02020603050405020304" pitchFamily="18" charset="0"/>
-              </a:rPr>
-              <a:t>Nhóm sinh </a:t>
-            </a:r>
-            <a:r>
-              <a:rPr lang="en-US" sz="1600" b="1" dirty="0" err="1">
-                <a:solidFill>
-                  <a:schemeClr val="bg1"/>
-                </a:solidFill>
-                <a:latin typeface="Times New Roman" panose="02020603050405020304" pitchFamily="18" charset="0"/>
-                <a:cs typeface="Times New Roman" panose="02020603050405020304" pitchFamily="18" charset="0"/>
-              </a:rPr>
-              <a:t>viên</a:t>
-            </a:r>
-            <a:r>
-              <a:rPr lang="en-US" sz="1600" b="1" dirty="0">
-                <a:solidFill>
-                  <a:schemeClr val="bg1"/>
-                </a:solidFill>
-                <a:latin typeface="Times New Roman" panose="02020603050405020304" pitchFamily="18" charset="0"/>
-                <a:cs typeface="Times New Roman" panose="02020603050405020304" pitchFamily="18" charset="0"/>
-              </a:rPr>
-              <a:t> </a:t>
-            </a:r>
-            <a:r>
-              <a:rPr lang="en-US" sz="1600" b="1" dirty="0" err="1">
-                <a:solidFill>
-                  <a:schemeClr val="bg1"/>
-                </a:solidFill>
-                <a:latin typeface="Times New Roman" panose="02020603050405020304" pitchFamily="18" charset="0"/>
-                <a:cs typeface="Times New Roman" panose="02020603050405020304" pitchFamily="18" charset="0"/>
-              </a:rPr>
-              <a:t>thực</a:t>
-            </a:r>
-            <a:r>
-              <a:rPr lang="en-US" sz="1600" b="1" dirty="0">
-                <a:solidFill>
-                  <a:schemeClr val="bg1"/>
-                </a:solidFill>
-                <a:latin typeface="Times New Roman" panose="02020603050405020304" pitchFamily="18" charset="0"/>
-                <a:cs typeface="Times New Roman" panose="02020603050405020304" pitchFamily="18" charset="0"/>
-              </a:rPr>
-              <a:t> </a:t>
-            </a:r>
-            <a:r>
-              <a:rPr lang="en-US" sz="1600" b="1" dirty="0" err="1">
-                <a:solidFill>
-                  <a:schemeClr val="bg1"/>
-                </a:solidFill>
-                <a:latin typeface="Times New Roman" panose="02020603050405020304" pitchFamily="18" charset="0"/>
-                <a:cs typeface="Times New Roman" panose="02020603050405020304" pitchFamily="18" charset="0"/>
-              </a:rPr>
-              <a:t>hiện</a:t>
-            </a:r>
-            <a:r>
-              <a:rPr lang="en-US" sz="1600" b="1" dirty="0">
-                <a:solidFill>
-                  <a:schemeClr val="bg1"/>
-                </a:solidFill>
-                <a:latin typeface="Times New Roman" panose="02020603050405020304" pitchFamily="18" charset="0"/>
-                <a:cs typeface="Times New Roman" panose="02020603050405020304" pitchFamily="18" charset="0"/>
-              </a:rPr>
-              <a:t>: </a:t>
-            </a:r>
-            <a:r>
-              <a:rPr lang="en-US" sz="1600" b="1" dirty="0" err="1">
-                <a:solidFill>
-                  <a:schemeClr val="bg1"/>
-                </a:solidFill>
-                <a:latin typeface="Times New Roman" panose="02020603050405020304" pitchFamily="18" charset="0"/>
-                <a:cs typeface="Times New Roman" panose="02020603050405020304" pitchFamily="18" charset="0"/>
-              </a:rPr>
-              <a:t>Lữ</a:t>
-            </a:r>
-            <a:r>
-              <a:rPr lang="en-US" sz="1600" b="1" dirty="0">
-                <a:solidFill>
-                  <a:schemeClr val="bg1"/>
-                </a:solidFill>
-                <a:latin typeface="Times New Roman" panose="02020603050405020304" pitchFamily="18" charset="0"/>
-                <a:cs typeface="Times New Roman" panose="02020603050405020304" pitchFamily="18" charset="0"/>
-              </a:rPr>
-              <a:t> Ph</a:t>
-            </a:r>
-            <a:r>
-              <a:rPr lang="vi-VN" sz="1600" b="1" dirty="0">
-                <a:solidFill>
-                  <a:schemeClr val="bg1"/>
-                </a:solidFill>
-                <a:latin typeface="Times New Roman" panose="02020603050405020304" pitchFamily="18" charset="0"/>
-                <a:cs typeface="Times New Roman" panose="02020603050405020304" pitchFamily="18" charset="0"/>
-              </a:rPr>
-              <a:t>ư</a:t>
-            </a:r>
-            <a:r>
-              <a:rPr lang="en-US" sz="1600" b="1" dirty="0" err="1">
-                <a:solidFill>
-                  <a:schemeClr val="bg1"/>
-                </a:solidFill>
-                <a:latin typeface="Times New Roman" panose="02020603050405020304" pitchFamily="18" charset="0"/>
-                <a:cs typeface="Times New Roman" panose="02020603050405020304" pitchFamily="18" charset="0"/>
-              </a:rPr>
-              <a:t>ớc</a:t>
-            </a:r>
-            <a:r>
-              <a:rPr lang="en-US" sz="1600" b="1" dirty="0">
-                <a:solidFill>
-                  <a:schemeClr val="bg1"/>
-                </a:solidFill>
-                <a:latin typeface="Times New Roman" panose="02020603050405020304" pitchFamily="18" charset="0"/>
-                <a:cs typeface="Times New Roman" panose="02020603050405020304" pitchFamily="18" charset="0"/>
-              </a:rPr>
-              <a:t> H</a:t>
-            </a:r>
-            <a:r>
-              <a:rPr lang="vi-VN" sz="1600" b="1" dirty="0">
-                <a:solidFill>
-                  <a:schemeClr val="bg1"/>
-                </a:solidFill>
-                <a:latin typeface="Times New Roman" panose="02020603050405020304" pitchFamily="18" charset="0"/>
-                <a:cs typeface="Times New Roman" panose="02020603050405020304" pitchFamily="18" charset="0"/>
-              </a:rPr>
-              <a:t>ư</a:t>
-            </a:r>
-            <a:r>
-              <a:rPr lang="en-US" sz="1600" b="1" dirty="0">
-                <a:solidFill>
-                  <a:schemeClr val="bg1"/>
-                </a:solidFill>
-                <a:latin typeface="Times New Roman" panose="02020603050405020304" pitchFamily="18" charset="0"/>
-                <a:cs typeface="Times New Roman" panose="02020603050405020304" pitchFamily="18" charset="0"/>
-              </a:rPr>
-              <a:t>ng – 16110105</a:t>
-            </a:r>
-          </a:p>
-          <a:p>
-            <a:r>
-              <a:rPr lang="en-US" sz="1600" b="1" smtClean="0">
-                <a:solidFill>
-                  <a:schemeClr val="bg1"/>
-                </a:solidFill>
-                <a:latin typeface="Times New Roman" panose="02020603050405020304" pitchFamily="18" charset="0"/>
-                <a:cs typeface="Times New Roman" panose="02020603050405020304" pitchFamily="18" charset="0"/>
-              </a:rPr>
-              <a:t>	                            Trần Quang Tân – 16110206</a:t>
-            </a:r>
-          </a:p>
-          <a:p>
-            <a:r>
-              <a:rPr lang="en-US" sz="1600" b="1" smtClean="0">
-                <a:solidFill>
-                  <a:schemeClr val="bg1"/>
-                </a:solidFill>
-                <a:latin typeface="Times New Roman" panose="02020603050405020304" pitchFamily="18" charset="0"/>
-                <a:cs typeface="Times New Roman" panose="02020603050405020304" pitchFamily="18" charset="0"/>
-              </a:rPr>
-              <a:t>Khóa</a:t>
-            </a:r>
-            <a:r>
-              <a:rPr lang="en-US" sz="1600" b="1">
-                <a:solidFill>
-                  <a:schemeClr val="bg1"/>
-                </a:solidFill>
-                <a:latin typeface="Times New Roman" panose="02020603050405020304" pitchFamily="18" charset="0"/>
-                <a:cs typeface="Times New Roman" panose="02020603050405020304" pitchFamily="18" charset="0"/>
-              </a:rPr>
-              <a:t>: K16</a:t>
-            </a:r>
-          </a:p>
-          <a:p>
-            <a:r>
-              <a:rPr lang="en-US" sz="1600" b="1">
-                <a:solidFill>
-                  <a:schemeClr val="bg1"/>
-                </a:solidFill>
-                <a:latin typeface="Times New Roman" panose="02020603050405020304" pitchFamily="18" charset="0"/>
-                <a:cs typeface="Times New Roman" panose="02020603050405020304" pitchFamily="18" charset="0"/>
-              </a:rPr>
-              <a:t>Ngành: Công Nghệ Thông Tin</a:t>
-            </a:r>
-          </a:p>
-          <a:p>
-            <a:r>
-              <a:rPr lang="en-US" sz="1600" b="1">
-                <a:solidFill>
-                  <a:schemeClr val="bg1"/>
-                </a:solidFill>
-                <a:latin typeface="Times New Roman" panose="02020603050405020304" pitchFamily="18" charset="0"/>
-                <a:cs typeface="Times New Roman" panose="02020603050405020304" pitchFamily="18" charset="0"/>
-              </a:rPr>
-              <a:t>Ngày bảo vệ: 09/01/2021</a:t>
-            </a:r>
-          </a:p>
-          <a:p>
-            <a:endParaRPr lang="en-US" sz="1600" b="1" dirty="0">
+              <a:t>DỰNG WEBSITE BÁN SÁCH ONLINE TRÊN NỀN TẢNG MEAN STACK</a:t>
+            </a:r>
+            <a:endParaRPr lang="en-US" sz="2400" b="1" dirty="0">
               <a:solidFill>
                 <a:schemeClr val="bg1"/>
               </a:solidFill>
@@ -6784,6 +6366,431 @@
           </a:ln>
         </p:spPr>
       </p:pic>
+      <p:sp>
+        <p:nvSpPr>
+          <p:cNvPr id="8" name="Text Placeholder 3">
+            <a:extLst>
+              <a:ext uri="{FF2B5EF4-FFF2-40B4-BE49-F238E27FC236}">
+                <a16:creationId xmlns:a16="http://schemas.microsoft.com/office/drawing/2014/main" id="{FDA0B434-7333-48A9-900D-A23224F97357}"/>
+              </a:ext>
+            </a:extLst>
+          </p:cNvPr>
+          <p:cNvSpPr txBox="1">
+            <a:spLocks/>
+          </p:cNvSpPr>
+          <p:nvPr/>
+        </p:nvSpPr>
+        <p:spPr>
+          <a:xfrm>
+            <a:off x="3373213" y="3550574"/>
+            <a:ext cx="5607423" cy="902666"/>
+          </a:xfrm>
+          <a:prstGeom prst="rect">
+            <a:avLst/>
+          </a:prstGeom>
+        </p:spPr>
+        <p:txBody>
+          <a:bodyPr anchor="ctr"/>
+          <a:lstStyle>
+            <a:lvl1pPr marL="0" indent="0" algn="l" defTabSz="914400" rtl="0" eaLnBrk="1" latinLnBrk="1" hangingPunct="1">
+              <a:lnSpc>
+                <a:spcPct val="100000"/>
+              </a:lnSpc>
+              <a:spcBef>
+                <a:spcPct val="20000"/>
+              </a:spcBef>
+              <a:buFont typeface="Arial" pitchFamily="34" charset="0"/>
+              <a:buNone/>
+              <a:defRPr sz="1400" b="0" kern="1200" baseline="0">
+                <a:solidFill>
+                  <a:schemeClr val="tx1">
+                    <a:lumMod val="75000"/>
+                    <a:lumOff val="25000"/>
+                  </a:schemeClr>
+                </a:solidFill>
+                <a:latin typeface="+mn-lt"/>
+                <a:ea typeface="+mn-ea"/>
+                <a:cs typeface="Arial" pitchFamily="34" charset="0"/>
+              </a:defRPr>
+            </a:lvl1pPr>
+            <a:lvl2pPr marL="742950" indent="-285750" algn="l" defTabSz="914400" rtl="0" eaLnBrk="1" latinLnBrk="1" hangingPunct="1">
+              <a:spcBef>
+                <a:spcPct val="20000"/>
+              </a:spcBef>
+              <a:buFont typeface="Arial" pitchFamily="34" charset="0"/>
+              <a:buChar char="–"/>
+              <a:defRPr sz="2800" kern="1200">
+                <a:solidFill>
+                  <a:schemeClr val="tx1"/>
+                </a:solidFill>
+                <a:latin typeface="+mn-lt"/>
+                <a:ea typeface="+mn-ea"/>
+                <a:cs typeface="+mn-cs"/>
+              </a:defRPr>
+            </a:lvl2pPr>
+            <a:lvl3pPr marL="1143000" indent="-228600" algn="l" defTabSz="914400" rtl="0" eaLnBrk="1" latinLnBrk="1" hangingPunct="1">
+              <a:spcBef>
+                <a:spcPct val="20000"/>
+              </a:spcBef>
+              <a:buFont typeface="Arial" pitchFamily="34" charset="0"/>
+              <a:buChar char="•"/>
+              <a:defRPr sz="2400" kern="1200">
+                <a:solidFill>
+                  <a:schemeClr val="tx1"/>
+                </a:solidFill>
+                <a:latin typeface="+mn-lt"/>
+                <a:ea typeface="+mn-ea"/>
+                <a:cs typeface="+mn-cs"/>
+              </a:defRPr>
+            </a:lvl3pPr>
+            <a:lvl4pPr marL="1600200" indent="-228600" algn="l" defTabSz="914400" rtl="0" eaLnBrk="1" latinLnBrk="1" hangingPunct="1">
+              <a:spcBef>
+                <a:spcPct val="20000"/>
+              </a:spcBef>
+              <a:buFont typeface="Arial" pitchFamily="34" charset="0"/>
+              <a:buChar char="–"/>
+              <a:defRPr sz="2000" kern="1200">
+                <a:solidFill>
+                  <a:schemeClr val="tx1"/>
+                </a:solidFill>
+                <a:latin typeface="+mn-lt"/>
+                <a:ea typeface="+mn-ea"/>
+                <a:cs typeface="+mn-cs"/>
+              </a:defRPr>
+            </a:lvl4pPr>
+            <a:lvl5pPr marL="2057400" indent="-228600" algn="l" defTabSz="914400" rtl="0" eaLnBrk="1" latinLnBrk="1" hangingPunct="1">
+              <a:spcBef>
+                <a:spcPct val="20000"/>
+              </a:spcBef>
+              <a:buFont typeface="Arial" pitchFamily="34" charset="0"/>
+              <a:buChar char="»"/>
+              <a:defRPr sz="2000" kern="1200">
+                <a:solidFill>
+                  <a:schemeClr val="tx1"/>
+                </a:solidFill>
+                <a:latin typeface="+mn-lt"/>
+                <a:ea typeface="+mn-ea"/>
+                <a:cs typeface="+mn-cs"/>
+              </a:defRPr>
+            </a:lvl5pPr>
+            <a:lvl6pPr marL="2514600" indent="-228600" algn="l" defTabSz="914400" rtl="0" eaLnBrk="1" latinLnBrk="1" hangingPunct="1">
+              <a:spcBef>
+                <a:spcPct val="20000"/>
+              </a:spcBef>
+              <a:buFont typeface="Arial" pitchFamily="34" charset="0"/>
+              <a:buChar char="•"/>
+              <a:defRPr sz="2000" kern="1200">
+                <a:solidFill>
+                  <a:schemeClr val="tx1"/>
+                </a:solidFill>
+                <a:latin typeface="+mn-lt"/>
+                <a:ea typeface="+mn-ea"/>
+                <a:cs typeface="+mn-cs"/>
+              </a:defRPr>
+            </a:lvl6pPr>
+            <a:lvl7pPr marL="2971800" indent="-228600" algn="l" defTabSz="914400" rtl="0" eaLnBrk="1" latinLnBrk="1" hangingPunct="1">
+              <a:spcBef>
+                <a:spcPct val="20000"/>
+              </a:spcBef>
+              <a:buFont typeface="Arial" pitchFamily="34" charset="0"/>
+              <a:buChar char="•"/>
+              <a:defRPr sz="2000" kern="1200">
+                <a:solidFill>
+                  <a:schemeClr val="tx1"/>
+                </a:solidFill>
+                <a:latin typeface="+mn-lt"/>
+                <a:ea typeface="+mn-ea"/>
+                <a:cs typeface="+mn-cs"/>
+              </a:defRPr>
+            </a:lvl7pPr>
+            <a:lvl8pPr marL="3429000" indent="-228600" algn="l" defTabSz="914400" rtl="0" eaLnBrk="1" latinLnBrk="1" hangingPunct="1">
+              <a:spcBef>
+                <a:spcPct val="20000"/>
+              </a:spcBef>
+              <a:buFont typeface="Arial" pitchFamily="34" charset="0"/>
+              <a:buChar char="•"/>
+              <a:defRPr sz="2000" kern="1200">
+                <a:solidFill>
+                  <a:schemeClr val="tx1"/>
+                </a:solidFill>
+                <a:latin typeface="+mn-lt"/>
+                <a:ea typeface="+mn-ea"/>
+                <a:cs typeface="+mn-cs"/>
+              </a:defRPr>
+            </a:lvl8pPr>
+            <a:lvl9pPr marL="3886200" indent="-228600" algn="l" defTabSz="914400" rtl="0" eaLnBrk="1" latinLnBrk="1" hangingPunct="1">
+              <a:spcBef>
+                <a:spcPct val="20000"/>
+              </a:spcBef>
+              <a:buFont typeface="Arial" pitchFamily="34" charset="0"/>
+              <a:buChar char="•"/>
+              <a:defRPr sz="2000" kern="1200">
+                <a:solidFill>
+                  <a:schemeClr val="tx1"/>
+                </a:solidFill>
+                <a:latin typeface="+mn-lt"/>
+                <a:ea typeface="+mn-ea"/>
+                <a:cs typeface="+mn-cs"/>
+              </a:defRPr>
+            </a:lvl9pPr>
+          </a:lstStyle>
+          <a:p>
+            <a:r>
+              <a:rPr lang="en-US" sz="1800" b="1" smtClean="0">
+                <a:solidFill>
+                  <a:schemeClr val="tx2">
+                    <a:lumMod val="10000"/>
+                  </a:schemeClr>
+                </a:solidFill>
+                <a:latin typeface="Times New Roman" panose="02020603050405020304" pitchFamily="18" charset="0"/>
+                <a:cs typeface="Times New Roman" panose="02020603050405020304" pitchFamily="18" charset="0"/>
+              </a:rPr>
+              <a:t>Giáo viên hướng dẫn:  ThS</a:t>
+            </a:r>
+            <a:r>
+              <a:rPr lang="en-US" sz="1800" b="1">
+                <a:solidFill>
+                  <a:schemeClr val="tx2">
+                    <a:lumMod val="10000"/>
+                  </a:schemeClr>
+                </a:solidFill>
+                <a:latin typeface="Times New Roman" panose="02020603050405020304" pitchFamily="18" charset="0"/>
+                <a:cs typeface="Times New Roman" panose="02020603050405020304" pitchFamily="18" charset="0"/>
+              </a:rPr>
+              <a:t>. Nguyễn Trần Thi </a:t>
+            </a:r>
+            <a:r>
+              <a:rPr lang="en-US" sz="1800" b="1" smtClean="0">
+                <a:solidFill>
+                  <a:schemeClr val="tx2">
+                    <a:lumMod val="10000"/>
+                  </a:schemeClr>
+                </a:solidFill>
+                <a:latin typeface="Times New Roman" panose="02020603050405020304" pitchFamily="18" charset="0"/>
+                <a:cs typeface="Times New Roman" panose="02020603050405020304" pitchFamily="18" charset="0"/>
+              </a:rPr>
+              <a:t>Văn</a:t>
+            </a:r>
+          </a:p>
+          <a:p>
+            <a:r>
+              <a:rPr lang="en-US" sz="1800" b="1">
+                <a:solidFill>
+                  <a:schemeClr val="tx2">
+                    <a:lumMod val="10000"/>
+                  </a:schemeClr>
+                </a:solidFill>
+                <a:latin typeface="Times New Roman" panose="02020603050405020304" pitchFamily="18" charset="0"/>
+                <a:cs typeface="Times New Roman" panose="02020603050405020304" pitchFamily="18" charset="0"/>
+              </a:rPr>
+              <a:t>S</a:t>
+            </a:r>
+            <a:r>
+              <a:rPr lang="en-US" sz="1800" b="1" smtClean="0">
+                <a:solidFill>
+                  <a:schemeClr val="tx2">
+                    <a:lumMod val="10000"/>
+                  </a:schemeClr>
+                </a:solidFill>
+                <a:latin typeface="Times New Roman" panose="02020603050405020304" pitchFamily="18" charset="0"/>
+                <a:cs typeface="Times New Roman" panose="02020603050405020304" pitchFamily="18" charset="0"/>
+              </a:rPr>
+              <a:t>inh </a:t>
+            </a:r>
+            <a:r>
+              <a:rPr lang="en-US" sz="1800" b="1" dirty="0" err="1">
+                <a:solidFill>
+                  <a:schemeClr val="tx2">
+                    <a:lumMod val="10000"/>
+                  </a:schemeClr>
+                </a:solidFill>
+                <a:latin typeface="Times New Roman" panose="02020603050405020304" pitchFamily="18" charset="0"/>
+                <a:cs typeface="Times New Roman" panose="02020603050405020304" pitchFamily="18" charset="0"/>
+              </a:rPr>
+              <a:t>viên</a:t>
+            </a:r>
+            <a:r>
+              <a:rPr lang="en-US" sz="1800" b="1" dirty="0">
+                <a:solidFill>
+                  <a:schemeClr val="tx2">
+                    <a:lumMod val="10000"/>
+                  </a:schemeClr>
+                </a:solidFill>
+                <a:latin typeface="Times New Roman" panose="02020603050405020304" pitchFamily="18" charset="0"/>
+                <a:cs typeface="Times New Roman" panose="02020603050405020304" pitchFamily="18" charset="0"/>
+              </a:rPr>
+              <a:t> </a:t>
+            </a:r>
+            <a:r>
+              <a:rPr lang="en-US" sz="1800" b="1" err="1">
+                <a:solidFill>
+                  <a:schemeClr val="tx2">
+                    <a:lumMod val="10000"/>
+                  </a:schemeClr>
+                </a:solidFill>
+                <a:latin typeface="Times New Roman" panose="02020603050405020304" pitchFamily="18" charset="0"/>
+                <a:cs typeface="Times New Roman" panose="02020603050405020304" pitchFamily="18" charset="0"/>
+              </a:rPr>
+              <a:t>thực</a:t>
+            </a:r>
+            <a:r>
+              <a:rPr lang="en-US" sz="1800" b="1">
+                <a:solidFill>
+                  <a:schemeClr val="tx2">
+                    <a:lumMod val="10000"/>
+                  </a:schemeClr>
+                </a:solidFill>
+                <a:latin typeface="Times New Roman" panose="02020603050405020304" pitchFamily="18" charset="0"/>
+                <a:cs typeface="Times New Roman" panose="02020603050405020304" pitchFamily="18" charset="0"/>
+              </a:rPr>
+              <a:t> </a:t>
+            </a:r>
+            <a:r>
+              <a:rPr lang="en-US" sz="1800" b="1" smtClean="0">
+                <a:solidFill>
+                  <a:schemeClr val="tx2">
+                    <a:lumMod val="10000"/>
+                  </a:schemeClr>
+                </a:solidFill>
+                <a:latin typeface="Times New Roman" panose="02020603050405020304" pitchFamily="18" charset="0"/>
+                <a:cs typeface="Times New Roman" panose="02020603050405020304" pitchFamily="18" charset="0"/>
+              </a:rPr>
+              <a:t>hiện   :  Lữ </a:t>
+            </a:r>
+            <a:r>
+              <a:rPr lang="en-US" sz="1800" b="1" dirty="0">
+                <a:solidFill>
+                  <a:schemeClr val="tx2">
+                    <a:lumMod val="10000"/>
+                  </a:schemeClr>
+                </a:solidFill>
+                <a:latin typeface="Times New Roman" panose="02020603050405020304" pitchFamily="18" charset="0"/>
+                <a:cs typeface="Times New Roman" panose="02020603050405020304" pitchFamily="18" charset="0"/>
+              </a:rPr>
+              <a:t>Ph</a:t>
+            </a:r>
+            <a:r>
+              <a:rPr lang="vi-VN" sz="1800" b="1" dirty="0">
+                <a:solidFill>
+                  <a:schemeClr val="tx2">
+                    <a:lumMod val="10000"/>
+                  </a:schemeClr>
+                </a:solidFill>
+                <a:latin typeface="Times New Roman" panose="02020603050405020304" pitchFamily="18" charset="0"/>
+                <a:cs typeface="Times New Roman" panose="02020603050405020304" pitchFamily="18" charset="0"/>
+              </a:rPr>
+              <a:t>ư</a:t>
+            </a:r>
+            <a:r>
+              <a:rPr lang="en-US" sz="1800" b="1" dirty="0" err="1">
+                <a:solidFill>
+                  <a:schemeClr val="tx2">
+                    <a:lumMod val="10000"/>
+                  </a:schemeClr>
+                </a:solidFill>
+                <a:latin typeface="Times New Roman" panose="02020603050405020304" pitchFamily="18" charset="0"/>
+                <a:cs typeface="Times New Roman" panose="02020603050405020304" pitchFamily="18" charset="0"/>
+              </a:rPr>
+              <a:t>ớc</a:t>
+            </a:r>
+            <a:r>
+              <a:rPr lang="en-US" sz="1800" b="1" dirty="0">
+                <a:solidFill>
+                  <a:schemeClr val="tx2">
+                    <a:lumMod val="10000"/>
+                  </a:schemeClr>
+                </a:solidFill>
+                <a:latin typeface="Times New Roman" panose="02020603050405020304" pitchFamily="18" charset="0"/>
+                <a:cs typeface="Times New Roman" panose="02020603050405020304" pitchFamily="18" charset="0"/>
+              </a:rPr>
+              <a:t> H</a:t>
+            </a:r>
+            <a:r>
+              <a:rPr lang="vi-VN" sz="1800" b="1" dirty="0">
+                <a:solidFill>
+                  <a:schemeClr val="tx2">
+                    <a:lumMod val="10000"/>
+                  </a:schemeClr>
+                </a:solidFill>
+                <a:latin typeface="Times New Roman" panose="02020603050405020304" pitchFamily="18" charset="0"/>
+                <a:cs typeface="Times New Roman" panose="02020603050405020304" pitchFamily="18" charset="0"/>
+              </a:rPr>
+              <a:t>ư</a:t>
+            </a:r>
+            <a:r>
+              <a:rPr lang="en-US" sz="1800" b="1" dirty="0">
+                <a:solidFill>
+                  <a:schemeClr val="tx2">
+                    <a:lumMod val="10000"/>
+                  </a:schemeClr>
+                </a:solidFill>
+                <a:latin typeface="Times New Roman" panose="02020603050405020304" pitchFamily="18" charset="0"/>
+                <a:cs typeface="Times New Roman" panose="02020603050405020304" pitchFamily="18" charset="0"/>
+              </a:rPr>
+              <a:t>ng – 16110105</a:t>
+            </a:r>
+          </a:p>
+          <a:p>
+            <a:r>
+              <a:rPr lang="en-US" sz="1800" b="1" smtClean="0">
+                <a:solidFill>
+                  <a:schemeClr val="tx2">
+                    <a:lumMod val="10000"/>
+                  </a:schemeClr>
+                </a:solidFill>
+                <a:latin typeface="Times New Roman" panose="02020603050405020304" pitchFamily="18" charset="0"/>
+                <a:cs typeface="Times New Roman" panose="02020603050405020304" pitchFamily="18" charset="0"/>
+              </a:rPr>
+              <a:t>	                     </a:t>
+            </a:r>
+            <a:r>
+              <a:rPr lang="en-US" sz="1800" b="1" smtClean="0">
+                <a:solidFill>
+                  <a:schemeClr val="tx2">
+                    <a:lumMod val="10000"/>
+                  </a:schemeClr>
+                </a:solidFill>
+                <a:latin typeface="Times New Roman" panose="02020603050405020304" pitchFamily="18" charset="0"/>
+                <a:cs typeface="Times New Roman" panose="02020603050405020304" pitchFamily="18" charset="0"/>
+              </a:rPr>
+              <a:t>  Trần </a:t>
+            </a:r>
+            <a:r>
+              <a:rPr lang="en-US" sz="1800" b="1" smtClean="0">
+                <a:solidFill>
+                  <a:schemeClr val="tx2">
+                    <a:lumMod val="10000"/>
+                  </a:schemeClr>
+                </a:solidFill>
+                <a:latin typeface="Times New Roman" panose="02020603050405020304" pitchFamily="18" charset="0"/>
+                <a:cs typeface="Times New Roman" panose="02020603050405020304" pitchFamily="18" charset="0"/>
+              </a:rPr>
+              <a:t>Quang Tân – </a:t>
+            </a:r>
+            <a:r>
+              <a:rPr lang="en-US" sz="1800" b="1" smtClean="0">
+                <a:solidFill>
+                  <a:schemeClr val="tx2">
+                    <a:lumMod val="10000"/>
+                  </a:schemeClr>
+                </a:solidFill>
+                <a:latin typeface="Times New Roman" panose="02020603050405020304" pitchFamily="18" charset="0"/>
+                <a:cs typeface="Times New Roman" panose="02020603050405020304" pitchFamily="18" charset="0"/>
+              </a:rPr>
+              <a:t>16110206</a:t>
+            </a:r>
+            <a:endParaRPr lang="en-US" sz="1800" b="1" smtClean="0">
+              <a:solidFill>
+                <a:schemeClr val="tx2">
+                  <a:lumMod val="10000"/>
+                </a:schemeClr>
+              </a:solidFill>
+              <a:latin typeface="Times New Roman" panose="02020603050405020304" pitchFamily="18" charset="0"/>
+              <a:cs typeface="Times New Roman" panose="02020603050405020304" pitchFamily="18" charset="0"/>
+            </a:endParaRPr>
+          </a:p>
+        </p:txBody>
+      </p:sp>
     </p:spTree>
     <p:extLst>
       <p:ext uri="{BB962C8B-B14F-4D97-AF65-F5344CB8AC3E}">
@@ -12899,6 +12906,13 @@
   <p:clrMapOvr>
     <a:masterClrMapping/>
   </p:clrMapOvr>
+  <p:timing>
+    <p:tnLst>
+      <p:par>
+        <p:cTn id="1" dur="indefinite" restart="never" nodeType="tmRoot"/>
+      </p:par>
+    </p:tnLst>
+  </p:timing>
 </p:sld>
 </file>
 
@@ -15049,7 +15063,7 @@
         <p:spPr>
           <a:xfrm>
             <a:off x="3564863" y="652587"/>
-            <a:ext cx="5370291" cy="4094198"/>
+            <a:ext cx="5370291" cy="4154984"/>
           </a:xfrm>
           <a:prstGeom prst="rect">
             <a:avLst/>
@@ -15689,7 +15703,28 @@
                 <a:latin typeface="Times New Roman" panose="02020603050405020304" pitchFamily="18" charset="0"/>
                 <a:cs typeface="Times New Roman" panose="02020603050405020304" pitchFamily="18" charset="0"/>
               </a:rPr>
-              <a:t> :Guest ,User, Admin, Employee.</a:t>
+              <a:t> :</a:t>
+            </a:r>
+            <a:r>
+              <a:rPr lang="en-US" sz="2200">
+                <a:latin typeface="Times New Roman" panose="02020603050405020304" pitchFamily="18" charset="0"/>
+                <a:cs typeface="Times New Roman" panose="02020603050405020304" pitchFamily="18" charset="0"/>
+              </a:rPr>
+              <a:t>Guest </a:t>
+            </a:r>
+            <a:r>
+              <a:rPr lang="en-US" sz="2200" smtClean="0">
+                <a:latin typeface="Times New Roman" panose="02020603050405020304" pitchFamily="18" charset="0"/>
+                <a:cs typeface="Times New Roman" panose="02020603050405020304" pitchFamily="18" charset="0"/>
+              </a:rPr>
+              <a:t>,Customer, </a:t>
+            </a:r>
+            <a:r>
+              <a:rPr lang="en-US" sz="2200" dirty="0">
+                <a:latin typeface="Times New Roman" panose="02020603050405020304" pitchFamily="18" charset="0"/>
+                <a:cs typeface="Times New Roman" panose="02020603050405020304" pitchFamily="18" charset="0"/>
+              </a:rPr>
+              <a:t>Admin, Employee.</a:t>
             </a:r>
           </a:p>
         </p:txBody>
@@ -16803,7 +16838,7 @@
         <p:spPr>
           <a:xfrm>
             <a:off x="3773709" y="457952"/>
-            <a:ext cx="5370291" cy="4094198"/>
+            <a:ext cx="5370291" cy="4154984"/>
           </a:xfrm>
           <a:prstGeom prst="rect">
             <a:avLst/>
@@ -17070,32 +17105,25 @@
               <a:buChar char="•"/>
             </a:pPr>
             <a:r>
-              <a:rPr lang="en-US" sz="2200" dirty="0" err="1">
+              <a:rPr lang="en-US" sz="2200" err="1">
                 <a:latin typeface="Times New Roman" panose="02020603050405020304" pitchFamily="18" charset="0"/>
                 <a:cs typeface="Times New Roman" panose="02020603050405020304" pitchFamily="18" charset="0"/>
               </a:rPr>
               <a:t>Quản</a:t>
             </a:r>
             <a:r>
-              <a:rPr lang="en-US" sz="2200" dirty="0">
+              <a:rPr lang="en-US" sz="2200">
                 <a:latin typeface="Times New Roman" panose="02020603050405020304" pitchFamily="18" charset="0"/>
                 <a:cs typeface="Times New Roman" panose="02020603050405020304" pitchFamily="18" charset="0"/>
               </a:rPr>
               <a:t> </a:t>
             </a:r>
             <a:r>
-              <a:rPr lang="en-US" sz="2200" dirty="0" err="1">
-                <a:latin typeface="Times New Roman" panose="02020603050405020304" pitchFamily="18" charset="0"/>
-                <a:cs typeface="Times New Roman" panose="02020603050405020304" pitchFamily="18" charset="0"/>
-              </a:rPr>
-              <a:t>lí</a:t>
-            </a:r>
-            <a:r>
-              <a:rPr lang="en-US" sz="2200" dirty="0">
-                <a:latin typeface="Times New Roman" panose="02020603050405020304" pitchFamily="18" charset="0"/>
-                <a:cs typeface="Times New Roman" panose="02020603050405020304" pitchFamily="18" charset="0"/>
-              </a:rPr>
-              <a:t> </a:t>
+              <a:rPr lang="en-US" sz="2200" smtClean="0">
+                <a:latin typeface="Times New Roman" panose="02020603050405020304" pitchFamily="18" charset="0"/>
+                <a:cs typeface="Times New Roman" panose="02020603050405020304" pitchFamily="18" charset="0"/>
+              </a:rPr>
+              <a:t>lý </a:t>
             </a:r>
             <a:r>
               <a:rPr lang="en-US" sz="2200" dirty="0" err="1">
